--- a/docs/diagrams/UndoFindSequenceDiagram.pptx
+++ b/docs/diagrams/UndoFindSequenceDiagram.pptx
@@ -208,7 +208,7 @@
           <a:p>
             <a:fld id="{F5CC4B3F-88C1-4FFA-B1B6-F41C21DC6924}" type="datetimeFigureOut">
               <a:rPr lang="en-US" smtClean="0"/>
-              <a:t>11/11/2018</a:t>
+              <a:t>11/12/2018</a:t>
             </a:fld>
             <a:endParaRPr lang="en-US"/>
           </a:p>
@@ -743,7 +743,7 @@
           <a:p>
             <a:fld id="{78C97017-6FC3-485B-9764-EAC9E56C1D49}" type="datetimeFigureOut">
               <a:rPr lang="en-US" smtClean="0"/>
-              <a:t>11/11/2018</a:t>
+              <a:t>11/12/2018</a:t>
             </a:fld>
             <a:endParaRPr lang="en-US"/>
           </a:p>
@@ -911,7 +911,7 @@
           <a:p>
             <a:fld id="{78C97017-6FC3-485B-9764-EAC9E56C1D49}" type="datetimeFigureOut">
               <a:rPr lang="en-US" smtClean="0"/>
-              <a:t>11/11/2018</a:t>
+              <a:t>11/12/2018</a:t>
             </a:fld>
             <a:endParaRPr lang="en-US"/>
           </a:p>
@@ -1089,7 +1089,7 @@
           <a:p>
             <a:fld id="{78C97017-6FC3-485B-9764-EAC9E56C1D49}" type="datetimeFigureOut">
               <a:rPr lang="en-US" smtClean="0"/>
-              <a:t>11/11/2018</a:t>
+              <a:t>11/12/2018</a:t>
             </a:fld>
             <a:endParaRPr lang="en-US"/>
           </a:p>
@@ -1257,7 +1257,7 @@
           <a:p>
             <a:fld id="{78C97017-6FC3-485B-9764-EAC9E56C1D49}" type="datetimeFigureOut">
               <a:rPr lang="en-US" smtClean="0"/>
-              <a:t>11/11/2018</a:t>
+              <a:t>11/12/2018</a:t>
             </a:fld>
             <a:endParaRPr lang="en-US"/>
           </a:p>
@@ -1502,7 +1502,7 @@
           <a:p>
             <a:fld id="{78C97017-6FC3-485B-9764-EAC9E56C1D49}" type="datetimeFigureOut">
               <a:rPr lang="en-US" smtClean="0"/>
-              <a:t>11/11/2018</a:t>
+              <a:t>11/12/2018</a:t>
             </a:fld>
             <a:endParaRPr lang="en-US"/>
           </a:p>
@@ -1787,7 +1787,7 @@
           <a:p>
             <a:fld id="{78C97017-6FC3-485B-9764-EAC9E56C1D49}" type="datetimeFigureOut">
               <a:rPr lang="en-US" smtClean="0"/>
-              <a:t>11/11/2018</a:t>
+              <a:t>11/12/2018</a:t>
             </a:fld>
             <a:endParaRPr lang="en-US"/>
           </a:p>
@@ -2206,7 +2206,7 @@
           <a:p>
             <a:fld id="{78C97017-6FC3-485B-9764-EAC9E56C1D49}" type="datetimeFigureOut">
               <a:rPr lang="en-US" smtClean="0"/>
-              <a:t>11/11/2018</a:t>
+              <a:t>11/12/2018</a:t>
             </a:fld>
             <a:endParaRPr lang="en-US"/>
           </a:p>
@@ -2323,7 +2323,7 @@
           <a:p>
             <a:fld id="{78C97017-6FC3-485B-9764-EAC9E56C1D49}" type="datetimeFigureOut">
               <a:rPr lang="en-US" smtClean="0"/>
-              <a:t>11/11/2018</a:t>
+              <a:t>11/12/2018</a:t>
             </a:fld>
             <a:endParaRPr lang="en-US"/>
           </a:p>
@@ -2418,7 +2418,7 @@
           <a:p>
             <a:fld id="{78C97017-6FC3-485B-9764-EAC9E56C1D49}" type="datetimeFigureOut">
               <a:rPr lang="en-US" smtClean="0"/>
-              <a:t>11/11/2018</a:t>
+              <a:t>11/12/2018</a:t>
             </a:fld>
             <a:endParaRPr lang="en-US"/>
           </a:p>
@@ -2693,7 +2693,7 @@
           <a:p>
             <a:fld id="{78C97017-6FC3-485B-9764-EAC9E56C1D49}" type="datetimeFigureOut">
               <a:rPr lang="en-US" smtClean="0"/>
-              <a:t>11/11/2018</a:t>
+              <a:t>11/12/2018</a:t>
             </a:fld>
             <a:endParaRPr lang="en-US"/>
           </a:p>
@@ -2945,7 +2945,7 @@
           <a:p>
             <a:fld id="{78C97017-6FC3-485B-9764-EAC9E56C1D49}" type="datetimeFigureOut">
               <a:rPr lang="en-US" smtClean="0"/>
-              <a:t>11/11/2018</a:t>
+              <a:t>11/12/2018</a:t>
             </a:fld>
             <a:endParaRPr lang="en-US"/>
           </a:p>
@@ -3156,7 +3156,7 @@
           <a:p>
             <a:fld id="{78C97017-6FC3-485B-9764-EAC9E56C1D49}" type="datetimeFigureOut">
               <a:rPr lang="en-US" smtClean="0"/>
-              <a:t>11/11/2018</a:t>
+              <a:t>11/12/2018</a:t>
             </a:fld>
             <a:endParaRPr lang="en-US"/>
           </a:p>
@@ -4021,7 +4021,7 @@
                   <a:srgbClr val="0070C0"/>
                 </a:solidFill>
               </a:rPr>
-              <a:t>execute(“undosearch”)</a:t>
+              <a:t>execute(“undofind”)</a:t>
             </a:r>
             <a:endParaRPr lang="en-US" sz="1403" dirty="0">
               <a:solidFill>
@@ -4333,7 +4333,7 @@
         </p:nvSpPr>
         <p:spPr>
           <a:xfrm>
-            <a:off x="1554362" y="1106146"/>
+            <a:off x="1447800" y="1106146"/>
             <a:ext cx="2507588" cy="215893"/>
           </a:xfrm>
           <a:prstGeom prst="rect">
@@ -4364,7 +4364,7 @@
             </a:r>
             <a:r>
               <a:rPr lang="en-US" sz="1403"/>
-              <a:t>(“undosearch”)</a:t>
+              <a:t>(“undofind”)</a:t>
             </a:r>
             <a:endParaRPr lang="en-US" sz="1403" dirty="0"/>
           </a:p>
@@ -4658,7 +4658,7 @@
         <p:spPr>
           <a:xfrm>
             <a:off x="9316109" y="2916945"/>
-            <a:ext cx="173619" cy="2389590"/>
+            <a:ext cx="173619" cy="2197039"/>
           </a:xfrm>
           <a:prstGeom prst="rect">
             <a:avLst/>
@@ -5191,8 +5191,8 @@
         </p:nvSpPr>
         <p:spPr>
           <a:xfrm>
-            <a:off x="10520715" y="3458722"/>
-            <a:ext cx="2769570" cy="153888"/>
+            <a:off x="10841339" y="3449052"/>
+            <a:ext cx="2769570" cy="184666"/>
           </a:xfrm>
           <a:prstGeom prst="rect">
             <a:avLst/>
@@ -5217,14 +5217,14 @@
           </a:lstStyle>
           <a:p>
             <a:r>
-              <a:rPr lang="en-US" sz="1000">
+              <a:rPr lang="en-US" sz="1200">
                 <a:solidFill>
                   <a:srgbClr val="7030A0"/>
                 </a:solidFill>
               </a:rPr>
               <a:t>retrievePredicateAtTopOfStack()</a:t>
             </a:r>
-            <a:endParaRPr lang="en-US" sz="1000" dirty="0"/>
+            <a:endParaRPr lang="en-US" sz="1200" dirty="0"/>
           </a:p>
         </p:txBody>
       </p:sp>
@@ -5500,8 +5500,8 @@
         </p:nvSpPr>
         <p:spPr>
           <a:xfrm>
-            <a:off x="11146421" y="3129759"/>
-            <a:ext cx="2159406" cy="153888"/>
+            <a:off x="11426329" y="3105346"/>
+            <a:ext cx="2159406" cy="184666"/>
           </a:xfrm>
           <a:prstGeom prst="rect">
             <a:avLst/>
@@ -5526,14 +5526,14 @@
           </a:lstStyle>
           <a:p>
             <a:r>
-              <a:rPr lang="en-US" sz="1000">
+              <a:rPr lang="en-US" sz="1200">
                 <a:solidFill>
                   <a:srgbClr val="7030A0"/>
                 </a:solidFill>
               </a:rPr>
               <a:t>removeLastPredicateFromStack()</a:t>
             </a:r>
-            <a:endParaRPr lang="en-US" sz="1000" dirty="0"/>
+            <a:endParaRPr lang="en-US" sz="1200" dirty="0"/>
           </a:p>
         </p:txBody>
       </p:sp>
@@ -6045,7 +6045,7 @@
                   </a:schemeClr>
                 </a:solidFill>
               </a:rPr>
-              <a:t>setPredicate(</a:t>
+              <a:t>setPredicate(Predicate</a:t>
             </a:r>
             <a:r>
               <a:rPr lang="en-US" sz="1200">
@@ -6319,12 +6319,74 @@
           </a:p>
         </p:txBody>
       </p:sp>
+      <p:sp>
+        <p:nvSpPr>
+          <p:cNvPr id="86" name="TextBox 85">
+            <a:extLst>
+              <a:ext uri="{FF2B5EF4-FFF2-40B4-BE49-F238E27FC236}">
+                <a16:creationId xmlns:a16="http://schemas.microsoft.com/office/drawing/2014/main" id="{10824C13-48ED-4C86-A7E9-231F80F4144E}"/>
+              </a:ext>
+            </a:extLst>
+          </p:cNvPr>
+          <p:cNvSpPr txBox="1"/>
+          <p:nvPr/>
+        </p:nvSpPr>
+        <p:spPr>
+          <a:xfrm>
+            <a:off x="11621116" y="3772753"/>
+            <a:ext cx="628207" cy="184666"/>
+          </a:xfrm>
+          <a:prstGeom prst="rect">
+            <a:avLst/>
+          </a:prstGeom>
+          <a:noFill/>
+          <a:ln>
+            <a:noFill/>
+          </a:ln>
+        </p:spPr>
+        <p:txBody>
+          <a:bodyPr wrap="square" lIns="0" tIns="0" rIns="0" bIns="0" rtlCol="0">
+            <a:spAutoFit/>
+          </a:bodyPr>
+          <a:lstStyle>
+            <a:defPPr>
+              <a:defRPr lang="en-US"/>
+            </a:defPPr>
+            <a:lvl1pPr algn="r">
+              <a:defRPr sz="1400">
+                <a:solidFill>
+                  <a:srgbClr val="0070C0"/>
+                </a:solidFill>
+              </a:defRPr>
+            </a:lvl1pPr>
+          </a:lstStyle>
+          <a:p>
+            <a:r>
+              <a:rPr lang="en-US" sz="1200">
+                <a:solidFill>
+                  <a:schemeClr val="accent4">
+                    <a:lumMod val="75000"/>
+                  </a:schemeClr>
+                </a:solidFill>
+              </a:rPr>
+              <a:t>Predicate</a:t>
+            </a:r>
+            <a:endParaRPr lang="en-US" sz="1200" dirty="0">
+              <a:solidFill>
+                <a:schemeClr val="accent4">
+                  <a:lumMod val="75000"/>
+                </a:schemeClr>
+              </a:solidFill>
+            </a:endParaRPr>
+          </a:p>
+        </p:txBody>
+      </p:sp>
       <p:pic>
         <p:nvPicPr>
-          <p:cNvPr id="78" name="Picture 77">
+          <p:cNvPr id="99" name="Picture 98">
             <a:extLst>
               <a:ext uri="{FF2B5EF4-FFF2-40B4-BE49-F238E27FC236}">
-                <a16:creationId xmlns:a16="http://schemas.microsoft.com/office/drawing/2014/main" id="{333ACE29-41DF-44E5-9071-7DF232622AF8}"/>
+                <a16:creationId xmlns:a16="http://schemas.microsoft.com/office/drawing/2014/main" id="{54FAFECF-D80B-4C74-BCCD-C2521C55835D}"/>
               </a:ext>
             </a:extLst>
           </p:cNvPr>
@@ -6341,8 +6403,8 @@
         </p:blipFill>
         <p:spPr>
           <a:xfrm>
-            <a:off x="6827950" y="5357823"/>
-            <a:ext cx="1198627" cy="284679"/>
+            <a:off x="6840175" y="5183434"/>
+            <a:ext cx="1802478" cy="428094"/>
           </a:xfrm>
           <a:prstGeom prst="rect">
             <a:avLst/>
@@ -6351,10 +6413,10 @@
       </p:pic>
       <p:pic>
         <p:nvPicPr>
-          <p:cNvPr id="90" name="Picture 89">
+          <p:cNvPr id="100" name="Picture 99">
             <a:extLst>
               <a:ext uri="{FF2B5EF4-FFF2-40B4-BE49-F238E27FC236}">
-                <a16:creationId xmlns:a16="http://schemas.microsoft.com/office/drawing/2014/main" id="{7F40000B-4BCB-4127-B18F-070A3418A00B}"/>
+                <a16:creationId xmlns:a16="http://schemas.microsoft.com/office/drawing/2014/main" id="{DCF4A418-E546-4A1E-8249-53A5D777851F}"/>
               </a:ext>
             </a:extLst>
           </p:cNvPr>
@@ -6371,8 +6433,8 @@
         </p:blipFill>
         <p:spPr>
           <a:xfrm>
-            <a:off x="7806458" y="5357824"/>
-            <a:ext cx="1819259" cy="282477"/>
+            <a:off x="7284738" y="5183989"/>
+            <a:ext cx="2353740" cy="424784"/>
           </a:xfrm>
           <a:prstGeom prst="rect">
             <a:avLst/>
@@ -6381,34 +6443,33 @@
       </p:pic>
       <p:sp>
         <p:nvSpPr>
-          <p:cNvPr id="95" name="TextBox 94">
+          <p:cNvPr id="101" name="Rectangle 100">
             <a:extLst>
               <a:ext uri="{FF2B5EF4-FFF2-40B4-BE49-F238E27FC236}">
-                <a16:creationId xmlns:a16="http://schemas.microsoft.com/office/drawing/2014/main" id="{993164BE-FB41-4C20-9B8B-10818ED05A64}"/>
+                <a16:creationId xmlns:a16="http://schemas.microsoft.com/office/drawing/2014/main" id="{F9499F8D-8C7E-42E9-BE9A-467C4B5EBD2F}"/>
               </a:ext>
             </a:extLst>
           </p:cNvPr>
-          <p:cNvSpPr txBox="1"/>
+          <p:cNvSpPr/>
           <p:nvPr/>
         </p:nvSpPr>
         <p:spPr>
           <a:xfrm>
-            <a:off x="7261391" y="5321471"/>
-            <a:ext cx="2149586" cy="338554"/>
+            <a:off x="7277539" y="5159104"/>
+            <a:ext cx="2139454" cy="461665"/>
           </a:xfrm>
           <a:prstGeom prst="rect">
             <a:avLst/>
           </a:prstGeom>
-          <a:noFill/>
-        </p:spPr>
-        <p:txBody>
-          <a:bodyPr wrap="square" rtlCol="0">
+        </p:spPr>
+        <p:txBody>
+          <a:bodyPr wrap="square">
             <a:spAutoFit/>
           </a:bodyPr>
           <a:lstStyle/>
           <a:p>
             <a:r>
-              <a:rPr lang="en-US" sz="800">
+              <a:rPr lang="en-US" sz="1200">
                 <a:solidFill>
                   <a:srgbClr val="0070C0"/>
                 </a:solidFill>
